--- a/Lectures/14-ml-modeling-in-practice.pptx
+++ b/Lectures/14-ml-modeling-in-practice.pptx
@@ -254,7 +254,7 @@
       <p15:sldGuideLst xmlns:p15="http://schemas.microsoft.com/office/powerpoint/2012/main"/>
     </p:ext>
     <p:ext uri="http://customooxmlschemas.google.com/">
-      <go:slidesCustomData xmlns="" xmlns:mc="http://schemas.openxmlformats.org/markup-compatibility/2006" xmlns:mv="urn:schemas-microsoft-com:mac:vml" xmlns:c="http://schemas.openxmlformats.org/drawingml/2006/chart" xmlns:dgm="http://schemas.openxmlformats.org/drawingml/2006/diagram" xmlns:o="urn:schemas-microsoft-com:office:office" xmlns:v="urn:schemas-microsoft-com:vml" xmlns:pvml="urn:schemas-microsoft-com:office:powerpoint" xmlns:com="http://schemas.openxmlformats.org/drawingml/2006/compatibility" xmlns:p14="http://schemas.microsoft.com/office/powerpoint/2010/main" xmlns:p15="http://schemas.microsoft.com/office/powerpoint/2012/main" xmlns:go="http://customooxmlschemas.google.com/" r:id="rId54" roundtripDataSignature="AMtx7mjFyVUGRZWio+dc9dxzYsimUxNJbg=="/>
+      <go:slidesCustomData xmlns:go="http://customooxmlschemas.google.com/" xmlns:p15="http://schemas.microsoft.com/office/powerpoint/2012/main" xmlns:p14="http://schemas.microsoft.com/office/powerpoint/2010/main" xmlns:com="http://schemas.openxmlformats.org/drawingml/2006/compatibility" xmlns:pvml="urn:schemas-microsoft-com:office:powerpoint" xmlns:v="urn:schemas-microsoft-com:vml" xmlns:o="urn:schemas-microsoft-com:office:office" xmlns:dgm="http://schemas.openxmlformats.org/drawingml/2006/diagram" xmlns:c="http://schemas.openxmlformats.org/drawingml/2006/chart" xmlns:mv="urn:schemas-microsoft-com:mac:vml" xmlns:mc="http://schemas.openxmlformats.org/markup-compatibility/2006" xmlns="" r:id="rId54" roundtripDataSignature="AMtx7mjFyVUGRZWio+dc9dxzYsimUxNJbg=="/>
     </p:ext>
   </p:extLst>
 </p:presentation>
@@ -10409,7 +10409,7 @@
           <a:p>
             <a:r>
               <a:rPr lang="en-US" dirty="0"/>
-              <a:t>Thursday </a:t>
+              <a:t>Thursday  - project work time</a:t>
             </a:r>
           </a:p>
           <a:p>
@@ -10437,39 +10437,6 @@
             <a:r>
               <a:rPr lang="en-US" dirty="0"/>
               <a:t>Tuesday: Feedback Form</a:t>
-            </a:r>
-          </a:p>
-          <a:p>
-            <a:pPr marL="76200" indent="0">
-              <a:buNone/>
-            </a:pPr>
-            <a:endParaRPr lang="en-US" dirty="0">
-              <a:solidFill>
-                <a:srgbClr val="C00000"/>
-              </a:solidFill>
-            </a:endParaRPr>
-          </a:p>
-          <a:p>
-            <a:pPr marL="76200" indent="0">
-              <a:buNone/>
-            </a:pPr>
-            <a:r>
-              <a:rPr lang="en-US" b="1" dirty="0">
-                <a:solidFill>
-                  <a:schemeClr val="bg2"/>
-                </a:solidFill>
-              </a:rPr>
-              <a:t>Following Week:</a:t>
-            </a:r>
-          </a:p>
-          <a:p>
-            <a:r>
-              <a:rPr lang="en-US" dirty="0">
-                <a:solidFill>
-                  <a:srgbClr val="C00000"/>
-                </a:solidFill>
-              </a:rPr>
-              <a:t>Midterm Update Presentations (Tuesday and Thursday)</a:t>
             </a:r>
           </a:p>
         </p:txBody>
@@ -10562,22 +10529,14 @@
             <a:pPr lvl="1"/>
             <a:r>
               <a:rPr lang="en-US" dirty="0"/>
-              <a:t>Refining pipeline structure and validation splits</a:t>
+              <a:t>Continue brainstorming features</a:t>
             </a:r>
           </a:p>
           <a:p>
             <a:pPr lvl="1"/>
             <a:r>
               <a:rPr lang="en-US" dirty="0"/>
-              <a:t>Plans for what you need for initial “</a:t>
-            </a:r>
-            <a:r>
-              <a:rPr lang="en-US" b="1" dirty="0"/>
-              <a:t>V0</a:t>
-            </a:r>
-            <a:r>
-              <a:rPr lang="en-US" dirty="0"/>
-              <a:t>” results</a:t>
+              <a:t>What models do you want to run</a:t>
             </a:r>
           </a:p>
           <a:p>
@@ -10595,6 +10554,13 @@
             <a:r>
               <a:rPr lang="en-US" dirty="0"/>
               <a:t>Pipeline updates based on feedback from update assignments</a:t>
+            </a:r>
+          </a:p>
+          <a:p>
+            <a:pPr lvl="1"/>
+            <a:r>
+              <a:rPr lang="en-US" dirty="0"/>
+              <a:t>Build Features</a:t>
             </a:r>
           </a:p>
           <a:p>
@@ -11451,18 +11417,13 @@
           <a:p>
             <a:r>
               <a:rPr lang="en-US" dirty="0"/>
-              <a:t>Tuesday: Feedback Form</a:t>
+              <a:t>Tuesday: </a:t>
             </a:r>
-          </a:p>
-          <a:p>
             <a:r>
-              <a:rPr lang="en-US" dirty="0">
-                <a:solidFill>
-                  <a:srgbClr val="C00000"/>
-                </a:solidFill>
-              </a:rPr>
-              <a:t>Midterm Update Presentations (Tuesday and Thursday)</a:t>
+              <a:rPr lang="en-US"/>
+              <a:t>Feedback Form</a:t>
             </a:r>
+            <a:endParaRPr lang="en-US" dirty="0"/>
           </a:p>
         </p:txBody>
       </p:sp>
